--- a/开题报告.pptx
+++ b/开题报告.pptx
@@ -170,6 +170,9 @@
         </p15:guide>
       </p15:sldGuideLst>
     </p:ext>
+    <p:ext uri="{2D200454-40CA-4A62-9FC3-DE9A4176ACB9}">
+      <p15:notesGuideLst xmlns:p15="http://schemas.microsoft.com/office/powerpoint/2012/main"/>
+    </p:ext>
   </p:extLst>
 </p:presentation>
 </file>
@@ -268,7 +271,7 @@
           <a:p>
             <a:fld id="{72778CD5-4A40-49AD-9EF8-A6B0898496AF}" type="datetimeFigureOut">
               <a:rPr lang="en-US" smtClean="0"/>
-              <a:t>7/10/2023</a:t>
+              <a:t>5/21/2024</a:t>
             </a:fld>
             <a:endParaRPr lang="en-US"/>
           </a:p>
@@ -445,7 +448,7 @@
           <a:p>
             <a:fld id="{D4A5E7E4-0904-4331-9A27-DF9782F641B7}" type="datetimeFigureOut">
               <a:rPr lang="zh-CN" altLang="en-US" smtClean="0"/>
-              <a:t>2023/7/10</a:t>
+              <a:t>2024/5/21</a:t>
             </a:fld>
             <a:endParaRPr lang="zh-CN" altLang="en-US"/>
           </a:p>
@@ -43046,10 +43049,14 @@
               <a:buNone/>
             </a:pPr>
             <a:r>
-              <a:rPr lang="zh-CN" altLang="en-US" sz="1600"/>
-              <a:t>主讲人：董泓毅</a:t>
+              <a:rPr lang="zh-CN" altLang="en-US" sz="1600" dirty="0"/>
+              <a:t>主讲人：</a:t>
             </a:r>
-            <a:endParaRPr lang="en-US" sz="1600"/>
+            <a:r>
+              <a:rPr lang="en-US" altLang="zh-CN" sz="1600" dirty="0"/>
+              <a:t>xxx</a:t>
+            </a:r>
+            <a:endParaRPr lang="en-US" sz="1600" dirty="0"/>
           </a:p>
         </p:txBody>
       </p:sp>
@@ -43063,13 +43070,13 @@
   <p:clrMapOvr>
     <a:masterClrMapping/>
   </p:clrMapOvr>
-  <mc:AlternateContent xmlns:mc="http://schemas.openxmlformats.org/markup-compatibility/2006">
-    <mc:Choice xmlns:p159="http://schemas.microsoft.com/office/powerpoint/2015/09/main" Requires="p159">
+  <mc:AlternateContent xmlns:mc="http://schemas.openxmlformats.org/markup-compatibility/2006" xmlns:p159="http://schemas.microsoft.com/office/powerpoint/2015/09/main">
+    <mc:Choice Requires="p159">
       <p:transition xmlns:p14="http://schemas.microsoft.com/office/powerpoint/2010/main" spd="slow" p14:dur="2000">
         <p159:morph option="byObject"/>
       </p:transition>
     </mc:Choice>
-    <mc:Fallback>
+    <mc:Fallback xmlns="">
       <p:transition spd="slow">
         <p:fade/>
       </p:transition>
@@ -43620,13 +43627,13 @@
   <p:clrMapOvr>
     <a:masterClrMapping/>
   </p:clrMapOvr>
-  <mc:AlternateContent xmlns:mc="http://schemas.openxmlformats.org/markup-compatibility/2006">
-    <mc:Choice xmlns:p159="http://schemas.microsoft.com/office/powerpoint/2015/09/main" Requires="p159">
+  <mc:AlternateContent xmlns:mc="http://schemas.openxmlformats.org/markup-compatibility/2006" xmlns:p159="http://schemas.microsoft.com/office/powerpoint/2015/09/main">
+    <mc:Choice Requires="p159">
       <p:transition xmlns:p14="http://schemas.microsoft.com/office/powerpoint/2010/main" spd="slow" p14:dur="2000">
         <p159:morph option="byObject"/>
       </p:transition>
     </mc:Choice>
-    <mc:Fallback>
+    <mc:Fallback xmlns="">
       <p:transition spd="slow">
         <p:fade/>
       </p:transition>
@@ -44282,13 +44289,13 @@
   <p:clrMapOvr>
     <a:masterClrMapping/>
   </p:clrMapOvr>
-  <mc:AlternateContent xmlns:mc="http://schemas.openxmlformats.org/markup-compatibility/2006">
-    <mc:Choice xmlns:p159="http://schemas.microsoft.com/office/powerpoint/2015/09/main" Requires="p159">
+  <mc:AlternateContent xmlns:mc="http://schemas.openxmlformats.org/markup-compatibility/2006" xmlns:p159="http://schemas.microsoft.com/office/powerpoint/2015/09/main">
+    <mc:Choice Requires="p159">
       <p:transition xmlns:p14="http://schemas.microsoft.com/office/powerpoint/2010/main" spd="slow" p14:dur="2000">
         <p159:morph option="byObject"/>
       </p:transition>
     </mc:Choice>
-    <mc:Fallback>
+    <mc:Fallback xmlns="">
       <p:transition spd="slow">
         <p:fade/>
       </p:transition>
@@ -44825,13 +44832,13 @@
   <p:clrMapOvr>
     <a:masterClrMapping/>
   </p:clrMapOvr>
-  <mc:AlternateContent xmlns:mc="http://schemas.openxmlformats.org/markup-compatibility/2006">
-    <mc:Choice xmlns:p159="http://schemas.microsoft.com/office/powerpoint/2015/09/main" Requires="p159">
+  <mc:AlternateContent xmlns:mc="http://schemas.openxmlformats.org/markup-compatibility/2006" xmlns:p159="http://schemas.microsoft.com/office/powerpoint/2015/09/main">
+    <mc:Choice Requires="p159">
       <p:transition xmlns:p14="http://schemas.microsoft.com/office/powerpoint/2010/main" spd="slow" p14:dur="2000">
         <p159:morph option="byObject"/>
       </p:transition>
     </mc:Choice>
-    <mc:Fallback>
+    <mc:Fallback xmlns="">
       <p:transition spd="slow">
         <p:fade/>
       </p:transition>
@@ -45399,13 +45406,13 @@
   <p:clrMapOvr>
     <a:masterClrMapping/>
   </p:clrMapOvr>
-  <mc:AlternateContent xmlns:mc="http://schemas.openxmlformats.org/markup-compatibility/2006">
-    <mc:Choice xmlns:p159="http://schemas.microsoft.com/office/powerpoint/2015/09/main" Requires="p159">
+  <mc:AlternateContent xmlns:mc="http://schemas.openxmlformats.org/markup-compatibility/2006" xmlns:p159="http://schemas.microsoft.com/office/powerpoint/2015/09/main">
+    <mc:Choice Requires="p159">
       <p:transition xmlns:p14="http://schemas.microsoft.com/office/powerpoint/2010/main" spd="slow" p14:dur="2000">
         <p159:morph option="byObject"/>
       </p:transition>
     </mc:Choice>
-    <mc:Fallback>
+    <mc:Fallback xmlns="">
       <p:transition spd="slow">
         <p:fade/>
       </p:transition>
@@ -45782,13 +45789,13 @@
   <p:clrMapOvr>
     <a:masterClrMapping/>
   </p:clrMapOvr>
-  <mc:AlternateContent xmlns:mc="http://schemas.openxmlformats.org/markup-compatibility/2006">
-    <mc:Choice xmlns:p159="http://schemas.microsoft.com/office/powerpoint/2015/09/main" Requires="p159">
+  <mc:AlternateContent xmlns:mc="http://schemas.openxmlformats.org/markup-compatibility/2006" xmlns:p159="http://schemas.microsoft.com/office/powerpoint/2015/09/main">
+    <mc:Choice Requires="p159">
       <p:transition xmlns:p14="http://schemas.microsoft.com/office/powerpoint/2010/main" spd="slow" p14:dur="2000">
         <p159:morph option="byObject"/>
       </p:transition>
     </mc:Choice>
-    <mc:Fallback>
+    <mc:Fallback xmlns="">
       <p:transition spd="slow">
         <p:fade/>
       </p:transition>
@@ -45919,10 +45926,14 @@
           <a:lstStyle/>
           <a:p>
             <a:r>
-              <a:rPr lang="zh-CN" altLang="en-US"/>
-              <a:t>主讲人：董泓毅</a:t>
+              <a:rPr lang="zh-CN" altLang="en-US" dirty="0"/>
+              <a:t>主讲人：</a:t>
             </a:r>
-            <a:endParaRPr lang="en-US"/>
+            <a:r>
+              <a:rPr lang="en-US" altLang="zh-CN"/>
+              <a:t>xxx</a:t>
+            </a:r>
+            <a:endParaRPr lang="en-US" dirty="0"/>
           </a:p>
         </p:txBody>
       </p:sp>
@@ -45936,13 +45947,13 @@
   <p:clrMapOvr>
     <a:masterClrMapping/>
   </p:clrMapOvr>
-  <mc:AlternateContent xmlns:mc="http://schemas.openxmlformats.org/markup-compatibility/2006">
-    <mc:Choice xmlns:p159="http://schemas.microsoft.com/office/powerpoint/2015/09/main" Requires="p159">
+  <mc:AlternateContent xmlns:mc="http://schemas.openxmlformats.org/markup-compatibility/2006" xmlns:p159="http://schemas.microsoft.com/office/powerpoint/2015/09/main">
+    <mc:Choice Requires="p159">
       <p:transition xmlns:p14="http://schemas.microsoft.com/office/powerpoint/2010/main" spd="slow" p14:dur="2000">
         <p159:morph option="byObject"/>
       </p:transition>
     </mc:Choice>
-    <mc:Fallback>
+    <mc:Fallback xmlns="">
       <p:transition spd="slow">
         <p:fade/>
       </p:transition>
@@ -46090,13 +46101,13 @@
   <p:clrMapOvr>
     <a:masterClrMapping/>
   </p:clrMapOvr>
-  <mc:AlternateContent xmlns:mc="http://schemas.openxmlformats.org/markup-compatibility/2006">
-    <mc:Choice xmlns:p159="http://schemas.microsoft.com/office/powerpoint/2015/09/main" Requires="p159">
+  <mc:AlternateContent xmlns:mc="http://schemas.openxmlformats.org/markup-compatibility/2006" xmlns:p159="http://schemas.microsoft.com/office/powerpoint/2015/09/main">
+    <mc:Choice Requires="p159">
       <p:transition xmlns:p14="http://schemas.microsoft.com/office/powerpoint/2010/main" spd="slow" p14:dur="2000">
         <p159:morph option="byObject"/>
       </p:transition>
     </mc:Choice>
-    <mc:Fallback>
+    <mc:Fallback xmlns="">
       <p:transition spd="slow">
         <p:fade/>
       </p:transition>
@@ -46244,13 +46255,13 @@
   <p:clrMapOvr>
     <a:masterClrMapping/>
   </p:clrMapOvr>
-  <mc:AlternateContent xmlns:mc="http://schemas.openxmlformats.org/markup-compatibility/2006">
-    <mc:Choice xmlns:p159="http://schemas.microsoft.com/office/powerpoint/2015/09/main" Requires="p159">
+  <mc:AlternateContent xmlns:mc="http://schemas.openxmlformats.org/markup-compatibility/2006" xmlns:p159="http://schemas.microsoft.com/office/powerpoint/2015/09/main">
+    <mc:Choice Requires="p159">
       <p:transition xmlns:p14="http://schemas.microsoft.com/office/powerpoint/2010/main" spd="slow" p14:dur="2000">
         <p159:morph option="byObject"/>
       </p:transition>
     </mc:Choice>
-    <mc:Fallback>
+    <mc:Fallback xmlns="">
       <p:transition spd="slow">
         <p:fade/>
       </p:transition>
@@ -46494,13 +46505,13 @@
   <p:clrMapOvr>
     <a:masterClrMapping/>
   </p:clrMapOvr>
-  <mc:AlternateContent xmlns:mc="http://schemas.openxmlformats.org/markup-compatibility/2006">
-    <mc:Choice xmlns:p159="http://schemas.microsoft.com/office/powerpoint/2015/09/main" Requires="p159">
+  <mc:AlternateContent xmlns:mc="http://schemas.openxmlformats.org/markup-compatibility/2006" xmlns:p159="http://schemas.microsoft.com/office/powerpoint/2015/09/main">
+    <mc:Choice Requires="p159">
       <p:transition xmlns:p14="http://schemas.microsoft.com/office/powerpoint/2010/main" spd="slow" p14:dur="2000">
         <p159:morph option="byObject"/>
       </p:transition>
     </mc:Choice>
-    <mc:Fallback>
+    <mc:Fallback xmlns="">
       <p:transition spd="slow">
         <p:fade/>
       </p:transition>
@@ -46648,13 +46659,13 @@
   <p:clrMapOvr>
     <a:masterClrMapping/>
   </p:clrMapOvr>
-  <mc:AlternateContent xmlns:mc="http://schemas.openxmlformats.org/markup-compatibility/2006">
-    <mc:Choice xmlns:p159="http://schemas.microsoft.com/office/powerpoint/2015/09/main" Requires="p159">
+  <mc:AlternateContent xmlns:mc="http://schemas.openxmlformats.org/markup-compatibility/2006" xmlns:p159="http://schemas.microsoft.com/office/powerpoint/2015/09/main">
+    <mc:Choice Requires="p159">
       <p:transition xmlns:p14="http://schemas.microsoft.com/office/powerpoint/2010/main" spd="slow" p14:dur="2000">
         <p159:morph option="byObject"/>
       </p:transition>
     </mc:Choice>
-    <mc:Fallback>
+    <mc:Fallback xmlns="">
       <p:transition spd="slow">
         <p:fade/>
       </p:transition>
@@ -47484,13 +47495,13 @@
   <p:clrMapOvr>
     <a:masterClrMapping/>
   </p:clrMapOvr>
-  <mc:AlternateContent xmlns:mc="http://schemas.openxmlformats.org/markup-compatibility/2006">
-    <mc:Choice xmlns:p159="http://schemas.microsoft.com/office/powerpoint/2015/09/main" Requires="p159">
+  <mc:AlternateContent xmlns:mc="http://schemas.openxmlformats.org/markup-compatibility/2006" xmlns:p159="http://schemas.microsoft.com/office/powerpoint/2015/09/main">
+    <mc:Choice Requires="p159">
       <p:transition xmlns:p14="http://schemas.microsoft.com/office/powerpoint/2010/main" spd="slow" p14:dur="2000">
         <p159:morph option="byObject"/>
       </p:transition>
     </mc:Choice>
-    <mc:Fallback>
+    <mc:Fallback xmlns="">
       <p:transition spd="slow">
         <p:fade/>
       </p:transition>
@@ -47638,13 +47649,13 @@
   <p:clrMapOvr>
     <a:masterClrMapping/>
   </p:clrMapOvr>
-  <mc:AlternateContent xmlns:mc="http://schemas.openxmlformats.org/markup-compatibility/2006">
-    <mc:Choice xmlns:p159="http://schemas.microsoft.com/office/powerpoint/2015/09/main" Requires="p159">
+  <mc:AlternateContent xmlns:mc="http://schemas.openxmlformats.org/markup-compatibility/2006" xmlns:p159="http://schemas.microsoft.com/office/powerpoint/2015/09/main">
+    <mc:Choice Requires="p159">
       <p:transition xmlns:p14="http://schemas.microsoft.com/office/powerpoint/2010/main" spd="slow" p14:dur="2000">
         <p159:morph option="byObject"/>
       </p:transition>
     </mc:Choice>
-    <mc:Fallback>
+    <mc:Fallback xmlns="">
       <p:transition spd="slow">
         <p:fade/>
       </p:transition>
@@ -47828,13 +47839,13 @@
   <p:clrMapOvr>
     <a:masterClrMapping/>
   </p:clrMapOvr>
-  <mc:AlternateContent xmlns:mc="http://schemas.openxmlformats.org/markup-compatibility/2006">
-    <mc:Choice xmlns:p159="http://schemas.microsoft.com/office/powerpoint/2015/09/main" Requires="p159">
+  <mc:AlternateContent xmlns:mc="http://schemas.openxmlformats.org/markup-compatibility/2006" xmlns:p159="http://schemas.microsoft.com/office/powerpoint/2015/09/main">
+    <mc:Choice Requires="p159">
       <p:transition xmlns:p14="http://schemas.microsoft.com/office/powerpoint/2010/main" spd="slow" p14:dur="2000">
         <p159:morph option="byObject"/>
       </p:transition>
     </mc:Choice>
-    <mc:Fallback>
+    <mc:Fallback xmlns="">
       <p:transition spd="slow">
         <p:fade/>
       </p:transition>
@@ -49254,13 +49265,13 @@
   <p:clrMapOvr>
     <a:masterClrMapping/>
   </p:clrMapOvr>
-  <mc:AlternateContent xmlns:mc="http://schemas.openxmlformats.org/markup-compatibility/2006">
-    <mc:Choice xmlns:p159="http://schemas.microsoft.com/office/powerpoint/2015/09/main" Requires="p159">
+  <mc:AlternateContent xmlns:mc="http://schemas.openxmlformats.org/markup-compatibility/2006" xmlns:p159="http://schemas.microsoft.com/office/powerpoint/2015/09/main">
+    <mc:Choice Requires="p159">
       <p:transition xmlns:p14="http://schemas.microsoft.com/office/powerpoint/2010/main" spd="slow" p14:dur="2000">
         <p159:morph option="byObject"/>
       </p:transition>
     </mc:Choice>
-    <mc:Fallback>
+    <mc:Fallback xmlns="">
       <p:transition spd="slow">
         <p:fade/>
       </p:transition>
